--- a/doc/Ondernemen/ondernemenZordonPitch.pptx
+++ b/doc/Ondernemen/ondernemenZordonPitch.pptx
@@ -6,6 +6,12 @@
   </p:sldMasterIdLst>
   <p:sldIdLst>
     <p:sldId id="256" r:id="rId2"/>
+    <p:sldId id="257" r:id="rId3"/>
+    <p:sldId id="258" r:id="rId4"/>
+    <p:sldId id="259" r:id="rId5"/>
+    <p:sldId id="260" r:id="rId6"/>
+    <p:sldId id="261" r:id="rId7"/>
+    <p:sldId id="262" r:id="rId8"/>
   </p:sldIdLst>
   <p:sldSz cx="12192000" cy="6858000"/>
   <p:notesSz cx="6858000" cy="9144000"/>
@@ -104,6 +110,11 @@
       </a:defRPr>
     </a:lvl9pPr>
   </p:defaultTextStyle>
+  <p:extLst>
+    <p:ext uri="{EFAFB233-063F-42B5-8137-9DF3F51BA10A}">
+      <p15:sldGuideLst xmlns:p15="http://schemas.microsoft.com/office/powerpoint/2012/main"/>
+    </p:ext>
+  </p:extLst>
 </p:presentation>
 </file>
 
@@ -3654,35 +3665,27 @@
         </p:nvSpPr>
         <p:spPr>
           <a:xfrm>
-            <a:off x="2417780" y="3531204"/>
-            <a:ext cx="8637072" cy="1808892"/>
+            <a:off x="6139388" y="4349885"/>
+            <a:ext cx="4293916" cy="587875"/>
           </a:xfrm>
         </p:spPr>
         <p:txBody>
           <a:bodyPr>
-            <a:normAutofit lnSpcReduction="10000"/>
+            <a:normAutofit/>
           </a:bodyPr>
           <a:lstStyle/>
           <a:p>
             <a:r>
               <a:rPr lang="nl-NL" dirty="0" err="1"/>
-              <a:t>boYD</a:t>
+              <a:t>Automating</a:t>
             </a:r>
             <a:r>
               <a:rPr lang="nl-NL" dirty="0"/>
-              <a:t> Franken</a:t>
-            </a:r>
-          </a:p>
-          <a:p>
-            <a:r>
-              <a:rPr lang="nl-NL" dirty="0"/>
-              <a:t>Kenny Guldentops</a:t>
-            </a:r>
-          </a:p>
-          <a:p>
+              <a:t> homes </a:t>
+            </a:r>
             <a:r>
               <a:rPr lang="nl-NL" dirty="0" err="1"/>
-              <a:t>Gillian</a:t>
+              <a:t>one</a:t>
             </a:r>
             <a:r>
               <a:rPr lang="nl-NL" dirty="0"/>
@@ -3690,15 +3693,17 @@
             </a:r>
             <a:r>
               <a:rPr lang="nl-NL" dirty="0" err="1"/>
-              <a:t>lambrechts</a:t>
+              <a:t>by</a:t>
+            </a:r>
+            <a:r>
+              <a:rPr lang="nl-NL" dirty="0"/>
+              <a:t> </a:t>
+            </a:r>
+            <a:r>
+              <a:rPr lang="nl-NL" dirty="0" err="1"/>
+              <a:t>one</a:t>
             </a:r>
             <a:endParaRPr lang="nl-NL" dirty="0"/>
-          </a:p>
-          <a:p>
-            <a:r>
-              <a:rPr lang="nl-NL" dirty="0"/>
-              <a:t>Jeroen rietveld</a:t>
-            </a:r>
           </a:p>
           <a:p>
             <a:endParaRPr lang="nl-NL" dirty="0"/>
@@ -3728,7 +3733,7 @@
         </p:blipFill>
         <p:spPr bwMode="auto">
           <a:xfrm>
-            <a:off x="6284405" y="802298"/>
+            <a:off x="6403277" y="739910"/>
             <a:ext cx="3609975" cy="3609975"/>
           </a:xfrm>
           <a:prstGeom prst="rect">
@@ -3746,10 +3751,807 @@
           </a:extLst>
         </p:spPr>
       </p:pic>
+      <p:sp>
+        <p:nvSpPr>
+          <p:cNvPr id="5" name="Ondertitel 2"/>
+          <p:cNvSpPr txBox="1">
+            <a:spLocks/>
+          </p:cNvSpPr>
+          <p:nvPr/>
+        </p:nvSpPr>
+        <p:spPr>
+          <a:xfrm>
+            <a:off x="2570180" y="3683604"/>
+            <a:ext cx="3370372" cy="1808892"/>
+          </a:xfrm>
+          <a:prstGeom prst="rect">
+            <a:avLst/>
+          </a:prstGeom>
+        </p:spPr>
+        <p:txBody>
+          <a:bodyPr vert="horz" lIns="91440" tIns="91440" rIns="91440" bIns="91440" rtlCol="0">
+            <a:normAutofit lnSpcReduction="10000"/>
+          </a:bodyPr>
+          <a:lstStyle>
+            <a:lvl1pPr marL="0" indent="0" algn="l" defTabSz="914400" rtl="0" eaLnBrk="1" latinLnBrk="0" hangingPunct="1">
+              <a:lnSpc>
+                <a:spcPct val="120000"/>
+              </a:lnSpc>
+              <a:spcBef>
+                <a:spcPts val="1000"/>
+              </a:spcBef>
+              <a:buClr>
+                <a:schemeClr val="accent1"/>
+              </a:buClr>
+              <a:buSzPct val="100000"/>
+              <a:buFont typeface="Arial" panose="020B0604020202020204" pitchFamily="34" charset="0"/>
+              <a:buNone/>
+              <a:defRPr sz="1800" b="0" kern="1200" cap="all" baseline="0">
+                <a:solidFill>
+                  <a:schemeClr val="tx1"/>
+                </a:solidFill>
+                <a:effectLst/>
+                <a:latin typeface="+mn-lt"/>
+                <a:ea typeface="+mn-ea"/>
+                <a:cs typeface="+mn-cs"/>
+              </a:defRPr>
+            </a:lvl1pPr>
+            <a:lvl2pPr marL="457200" indent="0" algn="ctr" defTabSz="914400" rtl="0" eaLnBrk="1" latinLnBrk="0" hangingPunct="1">
+              <a:lnSpc>
+                <a:spcPct val="120000"/>
+              </a:lnSpc>
+              <a:spcBef>
+                <a:spcPts val="500"/>
+              </a:spcBef>
+              <a:buClr>
+                <a:schemeClr val="accent1"/>
+              </a:buClr>
+              <a:buSzPct val="100000"/>
+              <a:buFont typeface="Arial" panose="020B0604020202020204" pitchFamily="34" charset="0"/>
+              <a:buNone/>
+              <a:defRPr sz="1800" kern="1200" cap="none" baseline="0">
+                <a:solidFill>
+                  <a:schemeClr val="tx1"/>
+                </a:solidFill>
+                <a:effectLst/>
+                <a:latin typeface="+mn-lt"/>
+                <a:ea typeface="+mn-ea"/>
+                <a:cs typeface="+mn-cs"/>
+              </a:defRPr>
+            </a:lvl2pPr>
+            <a:lvl3pPr marL="914400" indent="0" algn="ctr" defTabSz="914400" rtl="0" eaLnBrk="1" latinLnBrk="0" hangingPunct="1">
+              <a:lnSpc>
+                <a:spcPct val="120000"/>
+              </a:lnSpc>
+              <a:spcBef>
+                <a:spcPts val="500"/>
+              </a:spcBef>
+              <a:buClr>
+                <a:schemeClr val="accent1"/>
+              </a:buClr>
+              <a:buSzPct val="100000"/>
+              <a:buFont typeface="Arial" panose="020B0604020202020204" pitchFamily="34" charset="0"/>
+              <a:buNone/>
+              <a:defRPr sz="1800" kern="1200">
+                <a:solidFill>
+                  <a:schemeClr val="tx1"/>
+                </a:solidFill>
+                <a:effectLst/>
+                <a:latin typeface="+mn-lt"/>
+                <a:ea typeface="+mn-ea"/>
+                <a:cs typeface="+mn-cs"/>
+              </a:defRPr>
+            </a:lvl3pPr>
+            <a:lvl4pPr marL="1371600" indent="0" algn="ctr" defTabSz="914400" rtl="0" eaLnBrk="1" latinLnBrk="0" hangingPunct="1">
+              <a:lnSpc>
+                <a:spcPct val="120000"/>
+              </a:lnSpc>
+              <a:spcBef>
+                <a:spcPts val="500"/>
+              </a:spcBef>
+              <a:buClr>
+                <a:schemeClr val="accent1"/>
+              </a:buClr>
+              <a:buSzPct val="100000"/>
+              <a:buFont typeface="Arial" panose="020B0604020202020204" pitchFamily="34" charset="0"/>
+              <a:buNone/>
+              <a:defRPr sz="1600" kern="1200" cap="none" baseline="0">
+                <a:solidFill>
+                  <a:schemeClr val="tx1"/>
+                </a:solidFill>
+                <a:effectLst/>
+                <a:latin typeface="+mn-lt"/>
+                <a:ea typeface="+mn-ea"/>
+                <a:cs typeface="+mn-cs"/>
+              </a:defRPr>
+            </a:lvl4pPr>
+            <a:lvl5pPr marL="1828800" indent="0" algn="ctr" defTabSz="914400" rtl="0" eaLnBrk="1" latinLnBrk="0" hangingPunct="1">
+              <a:lnSpc>
+                <a:spcPct val="120000"/>
+              </a:lnSpc>
+              <a:spcBef>
+                <a:spcPts val="500"/>
+              </a:spcBef>
+              <a:buClr>
+                <a:schemeClr val="accent1"/>
+              </a:buClr>
+              <a:buSzPct val="100000"/>
+              <a:buFont typeface="Arial" panose="020B0604020202020204" pitchFamily="34" charset="0"/>
+              <a:buNone/>
+              <a:defRPr sz="1600" kern="1200">
+                <a:solidFill>
+                  <a:schemeClr val="tx1"/>
+                </a:solidFill>
+                <a:effectLst/>
+                <a:latin typeface="+mn-lt"/>
+                <a:ea typeface="+mn-ea"/>
+                <a:cs typeface="+mn-cs"/>
+              </a:defRPr>
+            </a:lvl5pPr>
+            <a:lvl6pPr marL="2286000" indent="0" algn="ctr" defTabSz="914400" rtl="0" eaLnBrk="1" latinLnBrk="0" hangingPunct="1">
+              <a:lnSpc>
+                <a:spcPct val="120000"/>
+              </a:lnSpc>
+              <a:spcBef>
+                <a:spcPts val="500"/>
+              </a:spcBef>
+              <a:buClr>
+                <a:schemeClr val="accent1"/>
+              </a:buClr>
+              <a:buSzPct val="100000"/>
+              <a:buFont typeface="Arial" panose="020B0604020202020204" pitchFamily="34" charset="0"/>
+              <a:buNone/>
+              <a:defRPr sz="1600" kern="1200">
+                <a:solidFill>
+                  <a:schemeClr val="tx1"/>
+                </a:solidFill>
+                <a:effectLst/>
+                <a:latin typeface="+mn-lt"/>
+                <a:ea typeface="+mn-ea"/>
+                <a:cs typeface="+mn-cs"/>
+              </a:defRPr>
+            </a:lvl6pPr>
+            <a:lvl7pPr marL="2743200" indent="0" algn="ctr" defTabSz="914400" rtl="0" eaLnBrk="1" latinLnBrk="0" hangingPunct="1">
+              <a:lnSpc>
+                <a:spcPct val="120000"/>
+              </a:lnSpc>
+              <a:spcBef>
+                <a:spcPts val="500"/>
+              </a:spcBef>
+              <a:buClr>
+                <a:schemeClr val="accent1"/>
+              </a:buClr>
+              <a:buSzPct val="100000"/>
+              <a:buFont typeface="Arial" panose="020B0604020202020204" pitchFamily="34" charset="0"/>
+              <a:buNone/>
+              <a:defRPr sz="1600" kern="1200">
+                <a:solidFill>
+                  <a:schemeClr val="tx1"/>
+                </a:solidFill>
+                <a:effectLst/>
+                <a:latin typeface="+mn-lt"/>
+                <a:ea typeface="+mn-ea"/>
+                <a:cs typeface="+mn-cs"/>
+              </a:defRPr>
+            </a:lvl7pPr>
+            <a:lvl8pPr marL="3200400" indent="0" algn="ctr" defTabSz="914400" rtl="0" eaLnBrk="1" latinLnBrk="0" hangingPunct="1">
+              <a:lnSpc>
+                <a:spcPct val="120000"/>
+              </a:lnSpc>
+              <a:spcBef>
+                <a:spcPts val="500"/>
+              </a:spcBef>
+              <a:buClr>
+                <a:schemeClr val="accent1"/>
+              </a:buClr>
+              <a:buSzPct val="100000"/>
+              <a:buFont typeface="Arial" panose="020B0604020202020204" pitchFamily="34" charset="0"/>
+              <a:buNone/>
+              <a:defRPr sz="1600" kern="1200" baseline="0">
+                <a:solidFill>
+                  <a:schemeClr val="tx1"/>
+                </a:solidFill>
+                <a:effectLst/>
+                <a:latin typeface="+mn-lt"/>
+                <a:ea typeface="+mn-ea"/>
+                <a:cs typeface="+mn-cs"/>
+              </a:defRPr>
+            </a:lvl8pPr>
+            <a:lvl9pPr marL="3657600" indent="0" algn="ctr" defTabSz="914400" rtl="0" eaLnBrk="1" latinLnBrk="0" hangingPunct="1">
+              <a:lnSpc>
+                <a:spcPct val="120000"/>
+              </a:lnSpc>
+              <a:spcBef>
+                <a:spcPts val="500"/>
+              </a:spcBef>
+              <a:buClr>
+                <a:schemeClr val="accent1"/>
+              </a:buClr>
+              <a:buSzPct val="100000"/>
+              <a:buFont typeface="Arial" panose="020B0604020202020204" pitchFamily="34" charset="0"/>
+              <a:buNone/>
+              <a:defRPr sz="1600" kern="1200" baseline="0">
+                <a:solidFill>
+                  <a:schemeClr val="tx1"/>
+                </a:solidFill>
+                <a:effectLst/>
+                <a:latin typeface="+mn-lt"/>
+                <a:ea typeface="+mn-ea"/>
+                <a:cs typeface="+mn-cs"/>
+              </a:defRPr>
+            </a:lvl9pPr>
+          </a:lstStyle>
+          <a:p>
+            <a:r>
+              <a:rPr lang="nl-NL"/>
+              <a:t>boYD Franken</a:t>
+            </a:r>
+          </a:p>
+          <a:p>
+            <a:r>
+              <a:rPr lang="nl-NL"/>
+              <a:t>Kenny Guldentops</a:t>
+            </a:r>
+          </a:p>
+          <a:p>
+            <a:r>
+              <a:rPr lang="nl-NL"/>
+              <a:t>Gillian lambrechts</a:t>
+            </a:r>
+          </a:p>
+          <a:p>
+            <a:r>
+              <a:rPr lang="nl-NL"/>
+              <a:t>Jeroen rietveld</a:t>
+            </a:r>
+          </a:p>
+          <a:p>
+            <a:endParaRPr lang="nl-NL" dirty="0"/>
+          </a:p>
+        </p:txBody>
+      </p:sp>
     </p:spTree>
     <p:extLst>
       <p:ext uri="{BB962C8B-B14F-4D97-AF65-F5344CB8AC3E}">
         <p14:creationId xmlns:p14="http://schemas.microsoft.com/office/powerpoint/2010/main" val="659260092"/>
+      </p:ext>
+    </p:extLst>
+  </p:cSld>
+  <p:clrMapOvr>
+    <a:masterClrMapping/>
+  </p:clrMapOvr>
+</p:sld>
+</file>
+
+<file path=ppt/slides/slide2.xml><?xml version="1.0" encoding="utf-8"?>
+<p:sld xmlns:a="http://schemas.openxmlformats.org/drawingml/2006/main" xmlns:r="http://schemas.openxmlformats.org/officeDocument/2006/relationships" xmlns:p="http://schemas.openxmlformats.org/presentationml/2006/main">
+  <p:cSld>
+    <p:spTree>
+      <p:nvGrpSpPr>
+        <p:cNvPr id="1" name=""/>
+        <p:cNvGrpSpPr/>
+        <p:nvPr/>
+      </p:nvGrpSpPr>
+      <p:grpSpPr>
+        <a:xfrm>
+          <a:off x="0" y="0"/>
+          <a:ext cx="0" cy="0"/>
+          <a:chOff x="0" y="0"/>
+          <a:chExt cx="0" cy="0"/>
+        </a:xfrm>
+      </p:grpSpPr>
+      <p:sp>
+        <p:nvSpPr>
+          <p:cNvPr id="2" name="Titel 1"/>
+          <p:cNvSpPr>
+            <a:spLocks noGrp="1"/>
+          </p:cNvSpPr>
+          <p:nvPr>
+            <p:ph type="title"/>
+          </p:nvPr>
+        </p:nvSpPr>
+        <p:spPr/>
+        <p:txBody>
+          <a:bodyPr/>
+          <a:lstStyle/>
+          <a:p>
+            <a:endParaRPr lang="nl-NL"/>
+          </a:p>
+        </p:txBody>
+      </p:sp>
+      <p:pic>
+        <p:nvPicPr>
+          <p:cNvPr id="1026" name="Picture 2" descr="http://ip-mpls.com/wp-content/uploads/2014/11/jm_homeautomation_web1.jpg"/>
+          <p:cNvPicPr>
+            <a:picLocks noGrp="1" noChangeAspect="1" noChangeArrowheads="1"/>
+          </p:cNvPicPr>
+          <p:nvPr>
+            <p:ph idx="1"/>
+          </p:nvPr>
+        </p:nvPicPr>
+        <p:blipFill>
+          <a:blip r:embed="rId2">
+            <a:extLst>
+              <a:ext uri="{28A0092B-C50C-407E-A947-70E740481C1C}">
+                <a14:useLocalDpi xmlns:a14="http://schemas.microsoft.com/office/drawing/2010/main" val="0"/>
+              </a:ext>
+            </a:extLst>
+          </a:blip>
+          <a:srcRect/>
+          <a:stretch>
+            <a:fillRect/>
+          </a:stretch>
+        </p:blipFill>
+        <p:spPr bwMode="auto">
+          <a:xfrm>
+            <a:off x="1333609" y="553084"/>
+            <a:ext cx="9401613" cy="5125339"/>
+          </a:xfrm>
+          <a:prstGeom prst="rect">
+            <a:avLst/>
+          </a:prstGeom>
+          <a:noFill/>
+          <a:extLst>
+            <a:ext uri="{909E8E84-426E-40DD-AFC4-6F175D3DCCD1}">
+              <a14:hiddenFill xmlns:a14="http://schemas.microsoft.com/office/drawing/2010/main">
+                <a:solidFill>
+                  <a:srgbClr val="FFFFFF"/>
+                </a:solidFill>
+              </a14:hiddenFill>
+            </a:ext>
+          </a:extLst>
+        </p:spPr>
+      </p:pic>
+    </p:spTree>
+    <p:extLst>
+      <p:ext uri="{BB962C8B-B14F-4D97-AF65-F5344CB8AC3E}">
+        <p14:creationId xmlns:p14="http://schemas.microsoft.com/office/powerpoint/2010/main" val="2106380071"/>
+      </p:ext>
+    </p:extLst>
+  </p:cSld>
+  <p:clrMapOvr>
+    <a:masterClrMapping/>
+  </p:clrMapOvr>
+</p:sld>
+</file>
+
+<file path=ppt/slides/slide3.xml><?xml version="1.0" encoding="utf-8"?>
+<p:sld xmlns:a="http://schemas.openxmlformats.org/drawingml/2006/main" xmlns:r="http://schemas.openxmlformats.org/officeDocument/2006/relationships" xmlns:p="http://schemas.openxmlformats.org/presentationml/2006/main">
+  <p:cSld>
+    <p:spTree>
+      <p:nvGrpSpPr>
+        <p:cNvPr id="1" name=""/>
+        <p:cNvGrpSpPr/>
+        <p:nvPr/>
+      </p:nvGrpSpPr>
+      <p:grpSpPr>
+        <a:xfrm>
+          <a:off x="0" y="0"/>
+          <a:ext cx="0" cy="0"/>
+          <a:chOff x="0" y="0"/>
+          <a:chExt cx="0" cy="0"/>
+        </a:xfrm>
+      </p:grpSpPr>
+      <p:sp>
+        <p:nvSpPr>
+          <p:cNvPr id="2" name="Titel 1"/>
+          <p:cNvSpPr>
+            <a:spLocks noGrp="1"/>
+          </p:cNvSpPr>
+          <p:nvPr>
+            <p:ph type="title"/>
+          </p:nvPr>
+        </p:nvSpPr>
+        <p:spPr/>
+        <p:txBody>
+          <a:bodyPr/>
+          <a:lstStyle/>
+          <a:p>
+            <a:endParaRPr lang="nl-NL"/>
+          </a:p>
+        </p:txBody>
+      </p:sp>
+      <p:pic>
+        <p:nvPicPr>
+          <p:cNvPr id="2052" name="Picture 4" descr="Image result for plug &amp; play"/>
+          <p:cNvPicPr>
+            <a:picLocks noGrp="1" noChangeAspect="1" noChangeArrowheads="1"/>
+          </p:cNvPicPr>
+          <p:nvPr>
+            <p:ph idx="1"/>
+          </p:nvPr>
+        </p:nvPicPr>
+        <p:blipFill>
+          <a:blip r:embed="rId2">
+            <a:extLst>
+              <a:ext uri="{28A0092B-C50C-407E-A947-70E740481C1C}">
+                <a14:useLocalDpi xmlns:a14="http://schemas.microsoft.com/office/drawing/2010/main" val="0"/>
+              </a:ext>
+            </a:extLst>
+          </a:blip>
+          <a:srcRect/>
+          <a:stretch>
+            <a:fillRect/>
+          </a:stretch>
+        </p:blipFill>
+        <p:spPr bwMode="auto">
+          <a:xfrm>
+            <a:off x="2628328" y="948023"/>
+            <a:ext cx="6058472" cy="4034942"/>
+          </a:xfrm>
+          <a:prstGeom prst="rect">
+            <a:avLst/>
+          </a:prstGeom>
+          <a:noFill/>
+          <a:extLst>
+            <a:ext uri="{909E8E84-426E-40DD-AFC4-6F175D3DCCD1}">
+              <a14:hiddenFill xmlns:a14="http://schemas.microsoft.com/office/drawing/2010/main">
+                <a:solidFill>
+                  <a:srgbClr val="FFFFFF"/>
+                </a:solidFill>
+              </a14:hiddenFill>
+            </a:ext>
+          </a:extLst>
+        </p:spPr>
+      </p:pic>
+    </p:spTree>
+    <p:extLst>
+      <p:ext uri="{BB962C8B-B14F-4D97-AF65-F5344CB8AC3E}">
+        <p14:creationId xmlns:p14="http://schemas.microsoft.com/office/powerpoint/2010/main" val="259174616"/>
+      </p:ext>
+    </p:extLst>
+  </p:cSld>
+  <p:clrMapOvr>
+    <a:masterClrMapping/>
+  </p:clrMapOvr>
+</p:sld>
+</file>
+
+<file path=ppt/slides/slide4.xml><?xml version="1.0" encoding="utf-8"?>
+<p:sld xmlns:a="http://schemas.openxmlformats.org/drawingml/2006/main" xmlns:r="http://schemas.openxmlformats.org/officeDocument/2006/relationships" xmlns:p="http://schemas.openxmlformats.org/presentationml/2006/main">
+  <p:cSld>
+    <p:spTree>
+      <p:nvGrpSpPr>
+        <p:cNvPr id="1" name=""/>
+        <p:cNvGrpSpPr/>
+        <p:nvPr/>
+      </p:nvGrpSpPr>
+      <p:grpSpPr>
+        <a:xfrm>
+          <a:off x="0" y="0"/>
+          <a:ext cx="0" cy="0"/>
+          <a:chOff x="0" y="0"/>
+          <a:chExt cx="0" cy="0"/>
+        </a:xfrm>
+      </p:grpSpPr>
+      <p:sp>
+        <p:nvSpPr>
+          <p:cNvPr id="2" name="Titel 1"/>
+          <p:cNvSpPr>
+            <a:spLocks noGrp="1"/>
+          </p:cNvSpPr>
+          <p:nvPr>
+            <p:ph type="title"/>
+          </p:nvPr>
+        </p:nvSpPr>
+        <p:spPr/>
+        <p:txBody>
+          <a:bodyPr/>
+          <a:lstStyle/>
+          <a:p>
+            <a:r>
+              <a:rPr lang="nl-NL" dirty="0"/>
+              <a:t>Modulair</a:t>
+            </a:r>
+          </a:p>
+        </p:txBody>
+      </p:sp>
+      <p:pic>
+        <p:nvPicPr>
+          <p:cNvPr id="7" name="Tijdelijke aanduiding voor inhoud 6"/>
+          <p:cNvPicPr>
+            <a:picLocks noGrp="1" noChangeAspect="1"/>
+          </p:cNvPicPr>
+          <p:nvPr>
+            <p:ph idx="1"/>
+          </p:nvPr>
+        </p:nvPicPr>
+        <p:blipFill>
+          <a:blip r:embed="rId2">
+            <a:extLst>
+              <a:ext uri="{28A0092B-C50C-407E-A947-70E740481C1C}">
+                <a14:useLocalDpi xmlns:a14="http://schemas.microsoft.com/office/drawing/2010/main" val="0"/>
+              </a:ext>
+            </a:extLst>
+          </a:blip>
+          <a:stretch>
+            <a:fillRect/>
+          </a:stretch>
+        </p:blipFill>
+        <p:spPr>
+          <a:xfrm>
+            <a:off x="2132240" y="1188567"/>
+            <a:ext cx="6966039" cy="4583654"/>
+          </a:xfrm>
+        </p:spPr>
+      </p:pic>
+    </p:spTree>
+    <p:extLst>
+      <p:ext uri="{BB962C8B-B14F-4D97-AF65-F5344CB8AC3E}">
+        <p14:creationId xmlns:p14="http://schemas.microsoft.com/office/powerpoint/2010/main" val="2275602935"/>
+      </p:ext>
+    </p:extLst>
+  </p:cSld>
+  <p:clrMapOvr>
+    <a:masterClrMapping/>
+  </p:clrMapOvr>
+</p:sld>
+</file>
+
+<file path=ppt/slides/slide5.xml><?xml version="1.0" encoding="utf-8"?>
+<p:sld xmlns:a="http://schemas.openxmlformats.org/drawingml/2006/main" xmlns:r="http://schemas.openxmlformats.org/officeDocument/2006/relationships" xmlns:p="http://schemas.openxmlformats.org/presentationml/2006/main">
+  <p:cSld>
+    <p:spTree>
+      <p:nvGrpSpPr>
+        <p:cNvPr id="1" name=""/>
+        <p:cNvGrpSpPr/>
+        <p:nvPr/>
+      </p:nvGrpSpPr>
+      <p:grpSpPr>
+        <a:xfrm>
+          <a:off x="0" y="0"/>
+          <a:ext cx="0" cy="0"/>
+          <a:chOff x="0" y="0"/>
+          <a:chExt cx="0" cy="0"/>
+        </a:xfrm>
+      </p:grpSpPr>
+      <p:sp>
+        <p:nvSpPr>
+          <p:cNvPr id="2" name="Titel 1"/>
+          <p:cNvSpPr>
+            <a:spLocks noGrp="1"/>
+          </p:cNvSpPr>
+          <p:nvPr>
+            <p:ph type="title"/>
+          </p:nvPr>
+        </p:nvSpPr>
+        <p:spPr/>
+        <p:txBody>
+          <a:bodyPr/>
+          <a:lstStyle/>
+          <a:p>
+            <a:r>
+              <a:rPr lang="nl-NL" dirty="0" err="1"/>
+              <a:t>Scaleability</a:t>
+            </a:r>
+            <a:endParaRPr lang="nl-NL" dirty="0"/>
+          </a:p>
+        </p:txBody>
+      </p:sp>
+      <p:pic>
+        <p:nvPicPr>
+          <p:cNvPr id="6" name="Tijdelijke aanduiding voor inhoud 5"/>
+          <p:cNvPicPr>
+            <a:picLocks noGrp="1" noChangeAspect="1"/>
+          </p:cNvPicPr>
+          <p:nvPr>
+            <p:ph idx="1"/>
+          </p:nvPr>
+        </p:nvPicPr>
+        <p:blipFill>
+          <a:blip r:embed="rId2">
+            <a:extLst>
+              <a:ext uri="{28A0092B-C50C-407E-A947-70E740481C1C}">
+                <a14:useLocalDpi xmlns:a14="http://schemas.microsoft.com/office/drawing/2010/main" val="0"/>
+              </a:ext>
+            </a:extLst>
+          </a:blip>
+          <a:stretch>
+            <a:fillRect/>
+          </a:stretch>
+        </p:blipFill>
+        <p:spPr>
+          <a:xfrm>
+            <a:off x="2320259" y="1853754"/>
+            <a:ext cx="5177821" cy="3698443"/>
+          </a:xfrm>
+        </p:spPr>
+      </p:pic>
+    </p:spTree>
+    <p:extLst>
+      <p:ext uri="{BB962C8B-B14F-4D97-AF65-F5344CB8AC3E}">
+        <p14:creationId xmlns:p14="http://schemas.microsoft.com/office/powerpoint/2010/main" val="595618402"/>
+      </p:ext>
+    </p:extLst>
+  </p:cSld>
+  <p:clrMapOvr>
+    <a:masterClrMapping/>
+  </p:clrMapOvr>
+</p:sld>
+</file>
+
+<file path=ppt/slides/slide6.xml><?xml version="1.0" encoding="utf-8"?>
+<p:sld xmlns:a="http://schemas.openxmlformats.org/drawingml/2006/main" xmlns:r="http://schemas.openxmlformats.org/officeDocument/2006/relationships" xmlns:p="http://schemas.openxmlformats.org/presentationml/2006/main">
+  <p:cSld>
+    <p:spTree>
+      <p:nvGrpSpPr>
+        <p:cNvPr id="1" name=""/>
+        <p:cNvGrpSpPr/>
+        <p:nvPr/>
+      </p:nvGrpSpPr>
+      <p:grpSpPr>
+        <a:xfrm>
+          <a:off x="0" y="0"/>
+          <a:ext cx="0" cy="0"/>
+          <a:chOff x="0" y="0"/>
+          <a:chExt cx="0" cy="0"/>
+        </a:xfrm>
+      </p:grpSpPr>
+      <p:sp>
+        <p:nvSpPr>
+          <p:cNvPr id="2" name="Titel 1"/>
+          <p:cNvSpPr>
+            <a:spLocks noGrp="1"/>
+          </p:cNvSpPr>
+          <p:nvPr>
+            <p:ph type="title"/>
+          </p:nvPr>
+        </p:nvSpPr>
+        <p:spPr/>
+        <p:txBody>
+          <a:bodyPr/>
+          <a:lstStyle/>
+          <a:p>
+            <a:r>
+              <a:rPr lang="nl-NL" dirty="0"/>
+              <a:t>Cloud</a:t>
+            </a:r>
+          </a:p>
+        </p:txBody>
+      </p:sp>
+      <p:pic>
+        <p:nvPicPr>
+          <p:cNvPr id="5122" name="Picture 2" descr="http://www.thecloudcomputingaustralia.com/wp-content/uploads/2012/08/The-Cloud-Computing-Australia-117.jpg"/>
+          <p:cNvPicPr>
+            <a:picLocks noGrp="1" noChangeAspect="1" noChangeArrowheads="1"/>
+          </p:cNvPicPr>
+          <p:nvPr>
+            <p:ph idx="1"/>
+          </p:nvPr>
+        </p:nvPicPr>
+        <p:blipFill>
+          <a:blip r:embed="rId2">
+            <a:extLst>
+              <a:ext uri="{28A0092B-C50C-407E-A947-70E740481C1C}">
+                <a14:useLocalDpi xmlns:a14="http://schemas.microsoft.com/office/drawing/2010/main" val="0"/>
+              </a:ext>
+            </a:extLst>
+          </a:blip>
+          <a:srcRect/>
+          <a:stretch>
+            <a:fillRect/>
+          </a:stretch>
+        </p:blipFill>
+        <p:spPr bwMode="auto">
+          <a:xfrm>
+            <a:off x="2585858" y="2098421"/>
+            <a:ext cx="5158337" cy="3449638"/>
+          </a:xfrm>
+          <a:prstGeom prst="rect">
+            <a:avLst/>
+          </a:prstGeom>
+          <a:noFill/>
+          <a:extLst>
+            <a:ext uri="{909E8E84-426E-40DD-AFC4-6F175D3DCCD1}">
+              <a14:hiddenFill xmlns:a14="http://schemas.microsoft.com/office/drawing/2010/main">
+                <a:solidFill>
+                  <a:srgbClr val="FFFFFF"/>
+                </a:solidFill>
+              </a14:hiddenFill>
+            </a:ext>
+          </a:extLst>
+        </p:spPr>
+      </p:pic>
+    </p:spTree>
+    <p:extLst>
+      <p:ext uri="{BB962C8B-B14F-4D97-AF65-F5344CB8AC3E}">
+        <p14:creationId xmlns:p14="http://schemas.microsoft.com/office/powerpoint/2010/main" val="1276917595"/>
+      </p:ext>
+    </p:extLst>
+  </p:cSld>
+  <p:clrMapOvr>
+    <a:masterClrMapping/>
+  </p:clrMapOvr>
+</p:sld>
+</file>
+
+<file path=ppt/slides/slide7.xml><?xml version="1.0" encoding="utf-8"?>
+<p:sld xmlns:a="http://schemas.openxmlformats.org/drawingml/2006/main" xmlns:r="http://schemas.openxmlformats.org/officeDocument/2006/relationships" xmlns:p="http://schemas.openxmlformats.org/presentationml/2006/main">
+  <p:cSld>
+    <p:spTree>
+      <p:nvGrpSpPr>
+        <p:cNvPr id="1" name=""/>
+        <p:cNvGrpSpPr/>
+        <p:nvPr/>
+      </p:nvGrpSpPr>
+      <p:grpSpPr>
+        <a:xfrm>
+          <a:off x="0" y="0"/>
+          <a:ext cx="0" cy="0"/>
+          <a:chOff x="0" y="0"/>
+          <a:chExt cx="0" cy="0"/>
+        </a:xfrm>
+      </p:grpSpPr>
+      <p:sp>
+        <p:nvSpPr>
+          <p:cNvPr id="2" name="Titel 1"/>
+          <p:cNvSpPr>
+            <a:spLocks noGrp="1"/>
+          </p:cNvSpPr>
+          <p:nvPr>
+            <p:ph type="title"/>
+          </p:nvPr>
+        </p:nvSpPr>
+        <p:spPr/>
+        <p:txBody>
+          <a:bodyPr/>
+          <a:lstStyle/>
+          <a:p>
+            <a:r>
+              <a:rPr lang="nl-NL"/>
+              <a:t>Mobility</a:t>
+            </a:r>
+            <a:endParaRPr lang="nl-NL"/>
+          </a:p>
+        </p:txBody>
+      </p:sp>
+      <p:pic>
+        <p:nvPicPr>
+          <p:cNvPr id="6146" name="Picture 2" descr="Related image"/>
+          <p:cNvPicPr>
+            <a:picLocks noGrp="1" noChangeAspect="1" noChangeArrowheads="1"/>
+          </p:cNvPicPr>
+          <p:nvPr>
+            <p:ph idx="1"/>
+          </p:nvPr>
+        </p:nvPicPr>
+        <p:blipFill>
+          <a:blip r:embed="rId2">
+            <a:extLst>
+              <a:ext uri="{28A0092B-C50C-407E-A947-70E740481C1C}">
+                <a14:useLocalDpi xmlns:a14="http://schemas.microsoft.com/office/drawing/2010/main" val="0"/>
+              </a:ext>
+            </a:extLst>
+          </a:blip>
+          <a:srcRect/>
+          <a:stretch>
+            <a:fillRect/>
+          </a:stretch>
+        </p:blipFill>
+        <p:spPr bwMode="auto">
+          <a:xfrm>
+            <a:off x="2173955" y="1586356"/>
+            <a:ext cx="7445533" cy="3885007"/>
+          </a:xfrm>
+          <a:prstGeom prst="rect">
+            <a:avLst/>
+          </a:prstGeom>
+          <a:noFill/>
+          <a:extLst>
+            <a:ext uri="{909E8E84-426E-40DD-AFC4-6F175D3DCCD1}">
+              <a14:hiddenFill xmlns:a14="http://schemas.microsoft.com/office/drawing/2010/main">
+                <a:solidFill>
+                  <a:srgbClr val="FFFFFF"/>
+                </a:solidFill>
+              </a14:hiddenFill>
+            </a:ext>
+          </a:extLst>
+        </p:spPr>
+      </p:pic>
+    </p:spTree>
+    <p:extLst>
+      <p:ext uri="{BB962C8B-B14F-4D97-AF65-F5344CB8AC3E}">
+        <p14:creationId xmlns:p14="http://schemas.microsoft.com/office/powerpoint/2010/main" val="1227264172"/>
       </p:ext>
     </p:extLst>
   </p:cSld>
